--- a/dendro.pptx
+++ b/dendro.pptx
@@ -104,6 +104,22 @@
       </a:defRPr>
     </a:lvl9pPr>
   </p:defaultTextStyle>
+  <p:extLst>
+    <p:ext uri="{EFAFB233-063F-42B5-8137-9DF3F51BA10A}">
+      <p15:sldGuideLst xmlns:p15="http://schemas.microsoft.com/office/powerpoint/2012/main">
+        <p15:guide id="1" orient="horz" pos="2160">
+          <p15:clr>
+            <a:srgbClr val="A4A3A4"/>
+          </p15:clr>
+        </p15:guide>
+        <p15:guide id="2" pos="2880">
+          <p15:clr>
+            <a:srgbClr val="A4A3A4"/>
+          </p15:clr>
+        </p15:guide>
+      </p15:sldGuideLst>
+    </p:ext>
+  </p:extLst>
 </p:presentation>
 </file>
 
@@ -145,10 +161,9 @@
           <a:lstStyle/>
           <a:p>
             <a:r>
-              <a:rPr lang="es-ES" smtClean="0"/>
+              <a:rPr lang="es-ES"/>
               <a:t>Haga clic para modificar el estilo de título del patrón</a:t>
             </a:r>
-            <a:endParaRPr lang="es-ES"/>
           </a:p>
         </p:txBody>
       </p:sp>
@@ -264,10 +279,9 @@
           </a:lstStyle>
           <a:p>
             <a:r>
-              <a:rPr lang="es-ES" smtClean="0"/>
+              <a:rPr lang="es-ES"/>
               <a:t>Haga clic para modificar el estilo de subtítulo del patrón</a:t>
             </a:r>
-            <a:endParaRPr lang="es-ES"/>
           </a:p>
         </p:txBody>
       </p:sp>
@@ -288,7 +302,7 @@
           <a:p>
             <a:fld id="{DDAECB10-4613-48E1-90C7-AF5031256208}" type="datetimeFigureOut">
               <a:rPr lang="es-ES" smtClean="0"/>
-              <a:t>09/11/2021</a:t>
+              <a:t>13/11/2021</a:t>
             </a:fld>
             <a:endParaRPr lang="es-ES"/>
           </a:p>
@@ -382,10 +396,9 @@
           <a:lstStyle/>
           <a:p>
             <a:r>
-              <a:rPr lang="es-ES" smtClean="0"/>
+              <a:rPr lang="es-ES"/>
               <a:t>Haga clic para modificar el estilo de título del patrón</a:t>
             </a:r>
-            <a:endParaRPr lang="es-ES"/>
           </a:p>
         </p:txBody>
       </p:sp>
@@ -406,38 +419,37 @@
           <a:p>
             <a:pPr lvl="0"/>
             <a:r>
-              <a:rPr lang="es-ES" smtClean="0"/>
+              <a:rPr lang="es-ES"/>
               <a:t>Haga clic para modificar el estilo de texto del patrón</a:t>
             </a:r>
           </a:p>
           <a:p>
             <a:pPr lvl="1"/>
             <a:r>
-              <a:rPr lang="es-ES" smtClean="0"/>
+              <a:rPr lang="es-ES"/>
               <a:t>Segundo nivel</a:t>
             </a:r>
           </a:p>
           <a:p>
             <a:pPr lvl="2"/>
             <a:r>
-              <a:rPr lang="es-ES" smtClean="0"/>
+              <a:rPr lang="es-ES"/>
               <a:t>Tercer nivel</a:t>
             </a:r>
           </a:p>
           <a:p>
             <a:pPr lvl="3"/>
             <a:r>
-              <a:rPr lang="es-ES" smtClean="0"/>
+              <a:rPr lang="es-ES"/>
               <a:t>Cuarto nivel</a:t>
             </a:r>
           </a:p>
           <a:p>
             <a:pPr lvl="4"/>
             <a:r>
-              <a:rPr lang="es-ES" smtClean="0"/>
+              <a:rPr lang="es-ES"/>
               <a:t>Quinto nivel</a:t>
             </a:r>
-            <a:endParaRPr lang="es-ES"/>
           </a:p>
         </p:txBody>
       </p:sp>
@@ -458,7 +470,7 @@
           <a:p>
             <a:fld id="{DDAECB10-4613-48E1-90C7-AF5031256208}" type="datetimeFigureOut">
               <a:rPr lang="es-ES" smtClean="0"/>
-              <a:t>09/11/2021</a:t>
+              <a:t>13/11/2021</a:t>
             </a:fld>
             <a:endParaRPr lang="es-ES"/>
           </a:p>
@@ -557,10 +569,9 @@
           <a:lstStyle/>
           <a:p>
             <a:r>
-              <a:rPr lang="es-ES" smtClean="0"/>
+              <a:rPr lang="es-ES"/>
               <a:t>Haga clic para modificar el estilo de título del patrón</a:t>
             </a:r>
-            <a:endParaRPr lang="es-ES"/>
           </a:p>
         </p:txBody>
       </p:sp>
@@ -586,38 +597,37 @@
           <a:p>
             <a:pPr lvl="0"/>
             <a:r>
-              <a:rPr lang="es-ES" smtClean="0"/>
+              <a:rPr lang="es-ES"/>
               <a:t>Haga clic para modificar el estilo de texto del patrón</a:t>
             </a:r>
           </a:p>
           <a:p>
             <a:pPr lvl="1"/>
             <a:r>
-              <a:rPr lang="es-ES" smtClean="0"/>
+              <a:rPr lang="es-ES"/>
               <a:t>Segundo nivel</a:t>
             </a:r>
           </a:p>
           <a:p>
             <a:pPr lvl="2"/>
             <a:r>
-              <a:rPr lang="es-ES" smtClean="0"/>
+              <a:rPr lang="es-ES"/>
               <a:t>Tercer nivel</a:t>
             </a:r>
           </a:p>
           <a:p>
             <a:pPr lvl="3"/>
             <a:r>
-              <a:rPr lang="es-ES" smtClean="0"/>
+              <a:rPr lang="es-ES"/>
               <a:t>Cuarto nivel</a:t>
             </a:r>
           </a:p>
           <a:p>
             <a:pPr lvl="4"/>
             <a:r>
-              <a:rPr lang="es-ES" smtClean="0"/>
+              <a:rPr lang="es-ES"/>
               <a:t>Quinto nivel</a:t>
             </a:r>
-            <a:endParaRPr lang="es-ES"/>
           </a:p>
         </p:txBody>
       </p:sp>
@@ -638,7 +648,7 @@
           <a:p>
             <a:fld id="{DDAECB10-4613-48E1-90C7-AF5031256208}" type="datetimeFigureOut">
               <a:rPr lang="es-ES" smtClean="0"/>
-              <a:t>09/11/2021</a:t>
+              <a:t>13/11/2021</a:t>
             </a:fld>
             <a:endParaRPr lang="es-ES"/>
           </a:p>
@@ -732,10 +742,9 @@
           <a:lstStyle/>
           <a:p>
             <a:r>
-              <a:rPr lang="es-ES" smtClean="0"/>
+              <a:rPr lang="es-ES"/>
               <a:t>Haga clic para modificar el estilo de título del patrón</a:t>
             </a:r>
-            <a:endParaRPr lang="es-ES"/>
           </a:p>
         </p:txBody>
       </p:sp>
@@ -756,38 +765,37 @@
           <a:p>
             <a:pPr lvl="0"/>
             <a:r>
-              <a:rPr lang="es-ES" smtClean="0"/>
+              <a:rPr lang="es-ES"/>
               <a:t>Haga clic para modificar el estilo de texto del patrón</a:t>
             </a:r>
           </a:p>
           <a:p>
             <a:pPr lvl="1"/>
             <a:r>
-              <a:rPr lang="es-ES" smtClean="0"/>
+              <a:rPr lang="es-ES"/>
               <a:t>Segundo nivel</a:t>
             </a:r>
           </a:p>
           <a:p>
             <a:pPr lvl="2"/>
             <a:r>
-              <a:rPr lang="es-ES" smtClean="0"/>
+              <a:rPr lang="es-ES"/>
               <a:t>Tercer nivel</a:t>
             </a:r>
           </a:p>
           <a:p>
             <a:pPr lvl="3"/>
             <a:r>
-              <a:rPr lang="es-ES" smtClean="0"/>
+              <a:rPr lang="es-ES"/>
               <a:t>Cuarto nivel</a:t>
             </a:r>
           </a:p>
           <a:p>
             <a:pPr lvl="4"/>
             <a:r>
-              <a:rPr lang="es-ES" smtClean="0"/>
+              <a:rPr lang="es-ES"/>
               <a:t>Quinto nivel</a:t>
             </a:r>
-            <a:endParaRPr lang="es-ES"/>
           </a:p>
         </p:txBody>
       </p:sp>
@@ -808,7 +816,7 @@
           <a:p>
             <a:fld id="{DDAECB10-4613-48E1-90C7-AF5031256208}" type="datetimeFigureOut">
               <a:rPr lang="es-ES" smtClean="0"/>
-              <a:t>09/11/2021</a:t>
+              <a:t>13/11/2021</a:t>
             </a:fld>
             <a:endParaRPr lang="es-ES"/>
           </a:p>
@@ -911,10 +919,9 @@
           </a:lstStyle>
           <a:p>
             <a:r>
-              <a:rPr lang="es-ES" smtClean="0"/>
+              <a:rPr lang="es-ES"/>
               <a:t>Haga clic para modificar el estilo de título del patrón</a:t>
             </a:r>
-            <a:endParaRPr lang="es-ES"/>
           </a:p>
         </p:txBody>
       </p:sp>
@@ -1031,7 +1038,7 @@
           <a:p>
             <a:pPr lvl="0"/>
             <a:r>
-              <a:rPr lang="es-ES" smtClean="0"/>
+              <a:rPr lang="es-ES"/>
               <a:t>Haga clic para modificar el estilo de texto del patrón</a:t>
             </a:r>
           </a:p>
@@ -1054,7 +1061,7 @@
           <a:p>
             <a:fld id="{DDAECB10-4613-48E1-90C7-AF5031256208}" type="datetimeFigureOut">
               <a:rPr lang="es-ES" smtClean="0"/>
-              <a:t>09/11/2021</a:t>
+              <a:t>13/11/2021</a:t>
             </a:fld>
             <a:endParaRPr lang="es-ES"/>
           </a:p>
@@ -1148,10 +1155,9 @@
           <a:lstStyle/>
           <a:p>
             <a:r>
-              <a:rPr lang="es-ES" smtClean="0"/>
+              <a:rPr lang="es-ES"/>
               <a:t>Haga clic para modificar el estilo de título del patrón</a:t>
             </a:r>
-            <a:endParaRPr lang="es-ES"/>
           </a:p>
         </p:txBody>
       </p:sp>
@@ -1205,38 +1211,37 @@
           <a:p>
             <a:pPr lvl="0"/>
             <a:r>
-              <a:rPr lang="es-ES" smtClean="0"/>
+              <a:rPr lang="es-ES"/>
               <a:t>Haga clic para modificar el estilo de texto del patrón</a:t>
             </a:r>
           </a:p>
           <a:p>
             <a:pPr lvl="1"/>
             <a:r>
-              <a:rPr lang="es-ES" smtClean="0"/>
+              <a:rPr lang="es-ES"/>
               <a:t>Segundo nivel</a:t>
             </a:r>
           </a:p>
           <a:p>
             <a:pPr lvl="2"/>
             <a:r>
-              <a:rPr lang="es-ES" smtClean="0"/>
+              <a:rPr lang="es-ES"/>
               <a:t>Tercer nivel</a:t>
             </a:r>
           </a:p>
           <a:p>
             <a:pPr lvl="3"/>
             <a:r>
-              <a:rPr lang="es-ES" smtClean="0"/>
+              <a:rPr lang="es-ES"/>
               <a:t>Cuarto nivel</a:t>
             </a:r>
           </a:p>
           <a:p>
             <a:pPr lvl="4"/>
             <a:r>
-              <a:rPr lang="es-ES" smtClean="0"/>
+              <a:rPr lang="es-ES"/>
               <a:t>Quinto nivel</a:t>
             </a:r>
-            <a:endParaRPr lang="es-ES"/>
           </a:p>
         </p:txBody>
       </p:sp>
@@ -1290,38 +1295,37 @@
           <a:p>
             <a:pPr lvl="0"/>
             <a:r>
-              <a:rPr lang="es-ES" smtClean="0"/>
+              <a:rPr lang="es-ES"/>
               <a:t>Haga clic para modificar el estilo de texto del patrón</a:t>
             </a:r>
           </a:p>
           <a:p>
             <a:pPr lvl="1"/>
             <a:r>
-              <a:rPr lang="es-ES" smtClean="0"/>
+              <a:rPr lang="es-ES"/>
               <a:t>Segundo nivel</a:t>
             </a:r>
           </a:p>
           <a:p>
             <a:pPr lvl="2"/>
             <a:r>
-              <a:rPr lang="es-ES" smtClean="0"/>
+              <a:rPr lang="es-ES"/>
               <a:t>Tercer nivel</a:t>
             </a:r>
           </a:p>
           <a:p>
             <a:pPr lvl="3"/>
             <a:r>
-              <a:rPr lang="es-ES" smtClean="0"/>
+              <a:rPr lang="es-ES"/>
               <a:t>Cuarto nivel</a:t>
             </a:r>
           </a:p>
           <a:p>
             <a:pPr lvl="4"/>
             <a:r>
-              <a:rPr lang="es-ES" smtClean="0"/>
+              <a:rPr lang="es-ES"/>
               <a:t>Quinto nivel</a:t>
             </a:r>
-            <a:endParaRPr lang="es-ES"/>
           </a:p>
         </p:txBody>
       </p:sp>
@@ -1342,7 +1346,7 @@
           <a:p>
             <a:fld id="{DDAECB10-4613-48E1-90C7-AF5031256208}" type="datetimeFigureOut">
               <a:rPr lang="es-ES" smtClean="0"/>
-              <a:t>09/11/2021</a:t>
+              <a:t>13/11/2021</a:t>
             </a:fld>
             <a:endParaRPr lang="es-ES"/>
           </a:p>
@@ -1440,10 +1444,9 @@
           </a:lstStyle>
           <a:p>
             <a:r>
-              <a:rPr lang="es-ES" smtClean="0"/>
+              <a:rPr lang="es-ES"/>
               <a:t>Haga clic para modificar el estilo de título del patrón</a:t>
             </a:r>
-            <a:endParaRPr lang="es-ES"/>
           </a:p>
         </p:txBody>
       </p:sp>
@@ -1506,7 +1509,7 @@
           <a:p>
             <a:pPr lvl="0"/>
             <a:r>
-              <a:rPr lang="es-ES" smtClean="0"/>
+              <a:rPr lang="es-ES"/>
               <a:t>Haga clic para modificar el estilo de texto del patrón</a:t>
             </a:r>
           </a:p>
@@ -1562,38 +1565,37 @@
           <a:p>
             <a:pPr lvl="0"/>
             <a:r>
-              <a:rPr lang="es-ES" smtClean="0"/>
+              <a:rPr lang="es-ES"/>
               <a:t>Haga clic para modificar el estilo de texto del patrón</a:t>
             </a:r>
           </a:p>
           <a:p>
             <a:pPr lvl="1"/>
             <a:r>
-              <a:rPr lang="es-ES" smtClean="0"/>
+              <a:rPr lang="es-ES"/>
               <a:t>Segundo nivel</a:t>
             </a:r>
           </a:p>
           <a:p>
             <a:pPr lvl="2"/>
             <a:r>
-              <a:rPr lang="es-ES" smtClean="0"/>
+              <a:rPr lang="es-ES"/>
               <a:t>Tercer nivel</a:t>
             </a:r>
           </a:p>
           <a:p>
             <a:pPr lvl="3"/>
             <a:r>
-              <a:rPr lang="es-ES" smtClean="0"/>
+              <a:rPr lang="es-ES"/>
               <a:t>Cuarto nivel</a:t>
             </a:r>
           </a:p>
           <a:p>
             <a:pPr lvl="4"/>
             <a:r>
-              <a:rPr lang="es-ES" smtClean="0"/>
+              <a:rPr lang="es-ES"/>
               <a:t>Quinto nivel</a:t>
             </a:r>
-            <a:endParaRPr lang="es-ES"/>
           </a:p>
         </p:txBody>
       </p:sp>
@@ -1656,7 +1658,7 @@
           <a:p>
             <a:pPr lvl="0"/>
             <a:r>
-              <a:rPr lang="es-ES" smtClean="0"/>
+              <a:rPr lang="es-ES"/>
               <a:t>Haga clic para modificar el estilo de texto del patrón</a:t>
             </a:r>
           </a:p>
@@ -1712,38 +1714,37 @@
           <a:p>
             <a:pPr lvl="0"/>
             <a:r>
-              <a:rPr lang="es-ES" smtClean="0"/>
+              <a:rPr lang="es-ES"/>
               <a:t>Haga clic para modificar el estilo de texto del patrón</a:t>
             </a:r>
           </a:p>
           <a:p>
             <a:pPr lvl="1"/>
             <a:r>
-              <a:rPr lang="es-ES" smtClean="0"/>
+              <a:rPr lang="es-ES"/>
               <a:t>Segundo nivel</a:t>
             </a:r>
           </a:p>
           <a:p>
             <a:pPr lvl="2"/>
             <a:r>
-              <a:rPr lang="es-ES" smtClean="0"/>
+              <a:rPr lang="es-ES"/>
               <a:t>Tercer nivel</a:t>
             </a:r>
           </a:p>
           <a:p>
             <a:pPr lvl="3"/>
             <a:r>
-              <a:rPr lang="es-ES" smtClean="0"/>
+              <a:rPr lang="es-ES"/>
               <a:t>Cuarto nivel</a:t>
             </a:r>
           </a:p>
           <a:p>
             <a:pPr lvl="4"/>
             <a:r>
-              <a:rPr lang="es-ES" smtClean="0"/>
+              <a:rPr lang="es-ES"/>
               <a:t>Quinto nivel</a:t>
             </a:r>
-            <a:endParaRPr lang="es-ES"/>
           </a:p>
         </p:txBody>
       </p:sp>
@@ -1764,7 +1765,7 @@
           <a:p>
             <a:fld id="{DDAECB10-4613-48E1-90C7-AF5031256208}" type="datetimeFigureOut">
               <a:rPr lang="es-ES" smtClean="0"/>
-              <a:t>09/11/2021</a:t>
+              <a:t>13/11/2021</a:t>
             </a:fld>
             <a:endParaRPr lang="es-ES"/>
           </a:p>
@@ -1858,10 +1859,9 @@
           <a:lstStyle/>
           <a:p>
             <a:r>
-              <a:rPr lang="es-ES" smtClean="0"/>
+              <a:rPr lang="es-ES"/>
               <a:t>Haga clic para modificar el estilo de título del patrón</a:t>
             </a:r>
-            <a:endParaRPr lang="es-ES"/>
           </a:p>
         </p:txBody>
       </p:sp>
@@ -1882,7 +1882,7 @@
           <a:p>
             <a:fld id="{DDAECB10-4613-48E1-90C7-AF5031256208}" type="datetimeFigureOut">
               <a:rPr lang="es-ES" smtClean="0"/>
-              <a:t>09/11/2021</a:t>
+              <a:t>13/11/2021</a:t>
             </a:fld>
             <a:endParaRPr lang="es-ES"/>
           </a:p>
@@ -1977,7 +1977,7 @@
           <a:p>
             <a:fld id="{DDAECB10-4613-48E1-90C7-AF5031256208}" type="datetimeFigureOut">
               <a:rPr lang="es-ES" smtClean="0"/>
-              <a:t>09/11/2021</a:t>
+              <a:t>13/11/2021</a:t>
             </a:fld>
             <a:endParaRPr lang="es-ES"/>
           </a:p>
@@ -2080,10 +2080,9 @@
           </a:lstStyle>
           <a:p>
             <a:r>
-              <a:rPr lang="es-ES" smtClean="0"/>
+              <a:rPr lang="es-ES"/>
               <a:t>Haga clic para modificar el estilo de título del patrón</a:t>
             </a:r>
-            <a:endParaRPr lang="es-ES"/>
           </a:p>
         </p:txBody>
       </p:sp>
@@ -2137,38 +2136,37 @@
           <a:p>
             <a:pPr lvl="0"/>
             <a:r>
-              <a:rPr lang="es-ES" smtClean="0"/>
+              <a:rPr lang="es-ES"/>
               <a:t>Haga clic para modificar el estilo de texto del patrón</a:t>
             </a:r>
           </a:p>
           <a:p>
             <a:pPr lvl="1"/>
             <a:r>
-              <a:rPr lang="es-ES" smtClean="0"/>
+              <a:rPr lang="es-ES"/>
               <a:t>Segundo nivel</a:t>
             </a:r>
           </a:p>
           <a:p>
             <a:pPr lvl="2"/>
             <a:r>
-              <a:rPr lang="es-ES" smtClean="0"/>
+              <a:rPr lang="es-ES"/>
               <a:t>Tercer nivel</a:t>
             </a:r>
           </a:p>
           <a:p>
             <a:pPr lvl="3"/>
             <a:r>
-              <a:rPr lang="es-ES" smtClean="0"/>
+              <a:rPr lang="es-ES"/>
               <a:t>Cuarto nivel</a:t>
             </a:r>
           </a:p>
           <a:p>
             <a:pPr lvl="4"/>
             <a:r>
-              <a:rPr lang="es-ES" smtClean="0"/>
+              <a:rPr lang="es-ES"/>
               <a:t>Quinto nivel</a:t>
             </a:r>
-            <a:endParaRPr lang="es-ES"/>
           </a:p>
         </p:txBody>
       </p:sp>
@@ -2231,7 +2229,7 @@
           <a:p>
             <a:pPr lvl="0"/>
             <a:r>
-              <a:rPr lang="es-ES" smtClean="0"/>
+              <a:rPr lang="es-ES"/>
               <a:t>Haga clic para modificar el estilo de texto del patrón</a:t>
             </a:r>
           </a:p>
@@ -2254,7 +2252,7 @@
           <a:p>
             <a:fld id="{DDAECB10-4613-48E1-90C7-AF5031256208}" type="datetimeFigureOut">
               <a:rPr lang="es-ES" smtClean="0"/>
-              <a:t>09/11/2021</a:t>
+              <a:t>13/11/2021</a:t>
             </a:fld>
             <a:endParaRPr lang="es-ES"/>
           </a:p>
@@ -2357,10 +2355,9 @@
           </a:lstStyle>
           <a:p>
             <a:r>
-              <a:rPr lang="es-ES" smtClean="0"/>
+              <a:rPr lang="es-ES"/>
               <a:t>Haga clic para modificar el estilo de título del patrón</a:t>
             </a:r>
-            <a:endParaRPr lang="es-ES"/>
           </a:p>
         </p:txBody>
       </p:sp>
@@ -2484,7 +2481,7 @@
           <a:p>
             <a:pPr lvl="0"/>
             <a:r>
-              <a:rPr lang="es-ES" smtClean="0"/>
+              <a:rPr lang="es-ES"/>
               <a:t>Haga clic para modificar el estilo de texto del patrón</a:t>
             </a:r>
           </a:p>
@@ -2507,7 +2504,7 @@
           <a:p>
             <a:fld id="{DDAECB10-4613-48E1-90C7-AF5031256208}" type="datetimeFigureOut">
               <a:rPr lang="es-ES" smtClean="0"/>
-              <a:t>09/11/2021</a:t>
+              <a:t>13/11/2021</a:t>
             </a:fld>
             <a:endParaRPr lang="es-ES"/>
           </a:p>
@@ -2616,10 +2613,9 @@
           <a:lstStyle/>
           <a:p>
             <a:r>
-              <a:rPr lang="es-ES" smtClean="0"/>
+              <a:rPr lang="es-ES"/>
               <a:t>Haga clic para modificar el estilo de título del patrón</a:t>
             </a:r>
-            <a:endParaRPr lang="es-ES"/>
           </a:p>
         </p:txBody>
       </p:sp>
@@ -2650,38 +2646,37 @@
           <a:p>
             <a:pPr lvl="0"/>
             <a:r>
-              <a:rPr lang="es-ES" smtClean="0"/>
+              <a:rPr lang="es-ES"/>
               <a:t>Haga clic para modificar el estilo de texto del patrón</a:t>
             </a:r>
           </a:p>
           <a:p>
             <a:pPr lvl="1"/>
             <a:r>
-              <a:rPr lang="es-ES" smtClean="0"/>
+              <a:rPr lang="es-ES"/>
               <a:t>Segundo nivel</a:t>
             </a:r>
           </a:p>
           <a:p>
             <a:pPr lvl="2"/>
             <a:r>
-              <a:rPr lang="es-ES" smtClean="0"/>
+              <a:rPr lang="es-ES"/>
               <a:t>Tercer nivel</a:t>
             </a:r>
           </a:p>
           <a:p>
             <a:pPr lvl="3"/>
             <a:r>
-              <a:rPr lang="es-ES" smtClean="0"/>
+              <a:rPr lang="es-ES"/>
               <a:t>Cuarto nivel</a:t>
             </a:r>
           </a:p>
           <a:p>
             <a:pPr lvl="4"/>
             <a:r>
-              <a:rPr lang="es-ES" smtClean="0"/>
+              <a:rPr lang="es-ES"/>
               <a:t>Quinto nivel</a:t>
             </a:r>
-            <a:endParaRPr lang="es-ES"/>
           </a:p>
         </p:txBody>
       </p:sp>
@@ -2720,7 +2715,7 @@
           <a:p>
             <a:fld id="{DDAECB10-4613-48E1-90C7-AF5031256208}" type="datetimeFigureOut">
               <a:rPr lang="es-ES" smtClean="0"/>
-              <a:t>09/11/2021</a:t>
+              <a:t>13/11/2021</a:t>
             </a:fld>
             <a:endParaRPr lang="es-ES"/>
           </a:p>
@@ -3097,6 +3092,42 @@
       </p:grpSpPr>
       <p:pic>
         <p:nvPicPr>
+          <p:cNvPr id="3" name="Imagen 2" descr="Mapa&#10;&#10;Descripción generada automáticamente">
+            <a:extLst>
+              <a:ext uri="{FF2B5EF4-FFF2-40B4-BE49-F238E27FC236}">
+                <a16:creationId xmlns:a16="http://schemas.microsoft.com/office/drawing/2014/main" id="{609C053A-B70B-4C12-B839-A601641C204A}"/>
+              </a:ext>
+            </a:extLst>
+          </p:cNvPr>
+          <p:cNvPicPr>
+            <a:picLocks noChangeAspect="1"/>
+          </p:cNvPicPr>
+          <p:nvPr/>
+        </p:nvPicPr>
+        <p:blipFill>
+          <a:blip r:embed="rId2" cstate="print">
+            <a:extLst>
+              <a:ext uri="{28A0092B-C50C-407E-A947-70E740481C1C}">
+                <a14:useLocalDpi xmlns:a14="http://schemas.microsoft.com/office/drawing/2010/main" val="0"/>
+              </a:ext>
+            </a:extLst>
+          </a:blip>
+          <a:stretch>
+            <a:fillRect/>
+          </a:stretch>
+        </p:blipFill>
+        <p:spPr>
+          <a:xfrm>
+            <a:off x="160622" y="3366692"/>
+            <a:ext cx="3926211" cy="3140969"/>
+          </a:xfrm>
+          <a:prstGeom prst="rect">
+            <a:avLst/>
+          </a:prstGeom>
+        </p:spPr>
+      </p:pic>
+      <p:pic>
+        <p:nvPicPr>
           <p:cNvPr id="1026" name="Picture 2" descr="C:\Users\h501vdlp\Desktop\descarga.png"/>
           <p:cNvPicPr>
             <a:picLocks noChangeAspect="1" noChangeArrowheads="1"/>
@@ -3104,7 +3135,7 @@
           <p:nvPr/>
         </p:nvPicPr>
         <p:blipFill>
-          <a:blip r:embed="rId2">
+          <a:blip r:embed="rId3">
             <a:extLst>
               <a:ext uri="{28A0092B-C50C-407E-A947-70E740481C1C}">
                 <a14:useLocalDpi xmlns:a14="http://schemas.microsoft.com/office/drawing/2010/main" val="0"/>
@@ -3118,7 +3149,7 @@
         </p:blipFill>
         <p:spPr bwMode="auto">
           <a:xfrm>
-            <a:off x="405451" y="1853841"/>
+            <a:off x="405451" y="764704"/>
             <a:ext cx="8333098" cy="3150318"/>
           </a:xfrm>
           <a:prstGeom prst="rect">
@@ -3144,7 +3175,7 @@
         </p:nvSpPr>
         <p:spPr>
           <a:xfrm>
-            <a:off x="2123728" y="1380838"/>
+            <a:off x="2123728" y="300443"/>
             <a:ext cx="6408712" cy="400110"/>
           </a:xfrm>
           <a:prstGeom prst="rect">
@@ -3159,7 +3190,7 @@
           <a:lstStyle/>
           <a:p>
             <a:r>
-              <a:rPr lang="es-ES" sz="2000" b="1" dirty="0" err="1" smtClean="0">
+              <a:rPr lang="es-ES" sz="2000" b="1" dirty="0" err="1">
                 <a:effectLst>
                   <a:outerShdw blurRad="38100" dist="38100" dir="2700000" algn="tl">
                     <a:srgbClr val="000000">
@@ -3171,7 +3202,7 @@
               <a:t>Agrupació</a:t>
             </a:r>
             <a:r>
-              <a:rPr lang="es-ES" sz="2000" b="1" dirty="0" smtClean="0">
+              <a:rPr lang="es-ES" sz="2000" b="1" dirty="0">
                 <a:effectLst>
                   <a:outerShdw blurRad="38100" dist="38100" dir="2700000" algn="tl">
                     <a:srgbClr val="000000">
@@ -3183,7 +3214,7 @@
               <a:t> per </a:t>
             </a:r>
             <a:r>
-              <a:rPr lang="es-ES" sz="2000" b="1" dirty="0" err="1" smtClean="0">
+              <a:rPr lang="es-ES" sz="2000" b="1" dirty="0" err="1">
                 <a:effectLst>
                   <a:outerShdw blurRad="38100" dist="38100" dir="2700000" algn="tl">
                     <a:srgbClr val="000000">
@@ -3195,7 +3226,7 @@
               <a:t>supervivència</a:t>
             </a:r>
             <a:r>
-              <a:rPr lang="es-ES" sz="2000" b="1" dirty="0" smtClean="0">
+              <a:rPr lang="es-ES" sz="2000" b="1" dirty="0">
                 <a:effectLst>
                   <a:outerShdw blurRad="38100" dist="38100" dir="2700000" algn="tl">
                     <a:srgbClr val="000000">
@@ -3207,7 +3238,7 @@
               <a:t> </a:t>
             </a:r>
             <a:r>
-              <a:rPr lang="es-ES" sz="2000" b="1" dirty="0" err="1" smtClean="0">
+              <a:rPr lang="es-ES" sz="2000" b="1" dirty="0" err="1">
                 <a:effectLst>
                   <a:outerShdw blurRad="38100" dist="38100" dir="2700000" algn="tl">
                     <a:srgbClr val="000000">
@@ -3219,7 +3250,7 @@
               <a:t>dels</a:t>
             </a:r>
             <a:r>
-              <a:rPr lang="es-ES" sz="2000" b="1" dirty="0" smtClean="0">
+              <a:rPr lang="es-ES" sz="2000" b="1" dirty="0">
                 <a:effectLst>
                   <a:outerShdw blurRad="38100" dist="38100" dir="2700000" algn="tl">
                     <a:srgbClr val="000000">
@@ -3231,7 +3262,7 @@
               <a:t> </a:t>
             </a:r>
             <a:r>
-              <a:rPr lang="es-ES" sz="2000" b="1" dirty="0" err="1" smtClean="0">
+              <a:rPr lang="es-ES" sz="2000" b="1" dirty="0" err="1">
                 <a:effectLst>
                   <a:outerShdw blurRad="38100" dist="38100" dir="2700000" algn="tl">
                     <a:srgbClr val="000000">
@@ -3243,7 +3274,7 @@
               <a:t>nadons</a:t>
             </a:r>
             <a:r>
-              <a:rPr lang="es-ES" sz="2000" b="1" dirty="0" smtClean="0">
+              <a:rPr lang="es-ES" sz="2000" b="1" dirty="0">
                 <a:effectLst>
                   <a:outerShdw blurRad="38100" dist="38100" dir="2700000" algn="tl">
                     <a:srgbClr val="000000">
@@ -3254,15 +3285,6 @@
               </a:rPr>
               <a:t> a la zona euro</a:t>
             </a:r>
-            <a:endParaRPr lang="es-ES" sz="2000" b="1" dirty="0">
-              <a:effectLst>
-                <a:outerShdw blurRad="38100" dist="38100" dir="2700000" algn="tl">
-                  <a:srgbClr val="000000">
-                    <a:alpha val="43137"/>
-                  </a:srgbClr>
-                </a:outerShdw>
-              </a:effectLst>
-            </a:endParaRPr>
           </a:p>
         </p:txBody>
       </p:sp>
@@ -3274,8 +3296,8 @@
         </p:nvSpPr>
         <p:spPr>
           <a:xfrm>
-            <a:off x="4932040" y="5004159"/>
-            <a:ext cx="3168352" cy="369332"/>
+            <a:off x="5292080" y="3789040"/>
+            <a:ext cx="3168352" cy="307777"/>
           </a:xfrm>
           <a:prstGeom prst="rect">
             <a:avLst/>
@@ -3289,22 +3311,114 @@
           <a:lstStyle/>
           <a:p>
             <a:r>
-              <a:rPr lang="es-ES" dirty="0" smtClean="0"/>
+              <a:rPr lang="es-ES" sz="1400" dirty="0"/>
               <a:t>% </a:t>
             </a:r>
             <a:r>
-              <a:rPr lang="es-ES" dirty="0" err="1" smtClean="0"/>
+              <a:rPr lang="es-ES" sz="1400" dirty="0" err="1"/>
               <a:t>diferència</a:t>
             </a:r>
             <a:r>
-              <a:rPr lang="es-ES" dirty="0" smtClean="0"/>
+              <a:rPr lang="es-ES" sz="1400" dirty="0"/>
               <a:t> </a:t>
             </a:r>
             <a:r>
-              <a:rPr lang="es-ES" dirty="0" err="1" smtClean="0"/>
+              <a:rPr lang="es-ES" sz="1400" dirty="0" err="1"/>
               <a:t>supervivència</a:t>
             </a:r>
-            <a:endParaRPr lang="es-ES" dirty="0"/>
+            <a:endParaRPr lang="es-ES" sz="1400" dirty="0"/>
+          </a:p>
+        </p:txBody>
+      </p:sp>
+      <p:sp>
+        <p:nvSpPr>
+          <p:cNvPr id="7" name="5 CuadroTexto">
+            <a:extLst>
+              <a:ext uri="{FF2B5EF4-FFF2-40B4-BE49-F238E27FC236}">
+                <a16:creationId xmlns:a16="http://schemas.microsoft.com/office/drawing/2014/main" id="{735A790D-F469-46A2-8B63-D42288ED23EE}"/>
+              </a:ext>
+            </a:extLst>
+          </p:cNvPr>
+          <p:cNvSpPr txBox="1"/>
+          <p:nvPr/>
+        </p:nvSpPr>
+        <p:spPr>
+          <a:xfrm>
+            <a:off x="5939176" y="6596424"/>
+            <a:ext cx="3168352" cy="261610"/>
+          </a:xfrm>
+          <a:prstGeom prst="rect">
+            <a:avLst/>
+          </a:prstGeom>
+          <a:noFill/>
+        </p:spPr>
+        <p:txBody>
+          <a:bodyPr wrap="square" rtlCol="0">
+            <a:spAutoFit/>
+          </a:bodyPr>
+          <a:lstStyle/>
+          <a:p>
+            <a:pPr algn="r"/>
+            <a:r>
+              <a:rPr lang="es-ES" sz="1100" dirty="0" err="1"/>
+              <a:t>Source</a:t>
+            </a:r>
+            <a:r>
+              <a:rPr lang="es-ES" sz="1100" dirty="0"/>
+              <a:t>: </a:t>
+            </a:r>
+            <a:r>
+              <a:rPr lang="es-ES" sz="1100" dirty="0" err="1"/>
+              <a:t>European</a:t>
+            </a:r>
+            <a:r>
+              <a:rPr lang="es-ES" sz="1100" dirty="0"/>
+              <a:t> </a:t>
+            </a:r>
+            <a:r>
+              <a:rPr lang="es-ES" sz="1100" dirty="0" err="1"/>
+              <a:t>Commission</a:t>
+            </a:r>
+            <a:endParaRPr lang="es-ES" sz="1100" dirty="0"/>
+          </a:p>
+        </p:txBody>
+      </p:sp>
+      <p:sp>
+        <p:nvSpPr>
+          <p:cNvPr id="8" name="5 CuadroTexto">
+            <a:extLst>
+              <a:ext uri="{FF2B5EF4-FFF2-40B4-BE49-F238E27FC236}">
+                <a16:creationId xmlns:a16="http://schemas.microsoft.com/office/drawing/2014/main" id="{B2BAE996-AA95-4980-9E30-CC24D04CD611}"/>
+              </a:ext>
+            </a:extLst>
+          </p:cNvPr>
+          <p:cNvSpPr txBox="1"/>
+          <p:nvPr/>
+        </p:nvSpPr>
+        <p:spPr>
+          <a:xfrm>
+            <a:off x="35496" y="6597352"/>
+            <a:ext cx="3168352" cy="261610"/>
+          </a:xfrm>
+          <a:prstGeom prst="rect">
+            <a:avLst/>
+          </a:prstGeom>
+          <a:noFill/>
+        </p:spPr>
+        <p:txBody>
+          <a:bodyPr wrap="square" rtlCol="0">
+            <a:spAutoFit/>
+          </a:bodyPr>
+          <a:lstStyle/>
+          <a:p>
+            <a:r>
+              <a:rPr lang="es-ES" sz="1100" dirty="0" err="1"/>
+              <a:t>Research</a:t>
+            </a:r>
+            <a:r>
+              <a:rPr lang="es-ES" sz="1100" dirty="0"/>
+              <a:t>: David Leiva</a:t>
+            </a:r>
           </a:p>
         </p:txBody>
       </p:sp>
